--- a/demo/demo17.pptx
+++ b/demo/demo17.pptx
@@ -15,6 +15,7 @@
     <p:sldId id="262" r:id="rId9"/>
     <p:sldId id="264" r:id="rId10"/>
     <p:sldId id="266" r:id="rId11"/>
+    <p:sldId id="267" r:id="rId12"/>
   </p:sldIdLst>
   <p:sldSz cx="12192000" cy="6858000"/>
   <p:notesSz cx="6858000" cy="9144000"/>
@@ -128,6 +129,7 @@
             <p14:sldId id="262"/>
             <p14:sldId id="264"/>
             <p14:sldId id="266"/>
+            <p14:sldId id="267"/>
           </p14:sldIdLst>
         </p14:section>
       </p14:sectionLst>
@@ -4241,6 +4243,66 @@
 </p:sld>
 </file>
 
+<file path=ppt/slides/slide11.xml><?xml version="1.0" encoding="utf-8"?>
+<p:sld xmlns:a="http://schemas.openxmlformats.org/drawingml/2006/main" xmlns:r="http://schemas.openxmlformats.org/officeDocument/2006/relationships" xmlns:p="http://schemas.openxmlformats.org/presentationml/2006/main">
+  <p:cSld>
+    <p:spTree>
+      <p:nvGrpSpPr>
+        <p:cNvPr id="1" name=""/>
+        <p:cNvGrpSpPr/>
+        <p:nvPr/>
+      </p:nvGrpSpPr>
+      <p:grpSpPr>
+        <a:xfrm>
+          <a:off x="0" y="0"/>
+          <a:ext cx="0" cy="0"/>
+          <a:chOff x="0" y="0"/>
+          <a:chExt cx="0" cy="0"/>
+        </a:xfrm>
+      </p:grpSpPr>
+      <p:pic>
+        <p:nvPicPr>
+          <p:cNvPr id="5" name="圖片 4">
+            <a:extLst>
+              <a:ext uri="{FF2B5EF4-FFF2-40B4-BE49-F238E27FC236}">
+                <a16:creationId xmlns:a16="http://schemas.microsoft.com/office/drawing/2014/main" id="{B8DDB148-A045-47AC-9C65-53F3BC84D77B}"/>
+              </a:ext>
+            </a:extLst>
+          </p:cNvPr>
+          <p:cNvPicPr>
+            <a:picLocks noChangeAspect="1"/>
+          </p:cNvPicPr>
+          <p:nvPr/>
+        </p:nvPicPr>
+        <p:blipFill>
+          <a:blip r:embed="rId2"/>
+          <a:stretch>
+            <a:fillRect/>
+          </a:stretch>
+        </p:blipFill>
+        <p:spPr>
+          <a:xfrm>
+            <a:off x="2667000" y="0"/>
+            <a:ext cx="6858000" cy="6858000"/>
+          </a:xfrm>
+          <a:prstGeom prst="rect">
+            <a:avLst/>
+          </a:prstGeom>
+        </p:spPr>
+      </p:pic>
+    </p:spTree>
+    <p:extLst>
+      <p:ext uri="{BB962C8B-B14F-4D97-AF65-F5344CB8AC3E}">
+        <p14:creationId xmlns:p14="http://schemas.microsoft.com/office/powerpoint/2010/main" val="2945437227"/>
+      </p:ext>
+    </p:extLst>
+  </p:cSld>
+  <p:clrMapOvr>
+    <a:masterClrMapping/>
+  </p:clrMapOvr>
+</p:sld>
+</file>
+
 <file path=ppt/slides/slide2.xml><?xml version="1.0" encoding="utf-8"?>
 <p:sld xmlns:a="http://schemas.openxmlformats.org/drawingml/2006/main" xmlns:r="http://schemas.openxmlformats.org/officeDocument/2006/relationships" xmlns:p="http://schemas.openxmlformats.org/presentationml/2006/main">
   <p:cSld>
@@ -4346,7 +4408,23 @@
                   <a:srgbClr val="0070C0"/>
                 </a:solidFill>
               </a:rPr>
-              <a:t>set the function enable button</a:t>
+              <a:t>set the hotkey </a:t>
+            </a:r>
+            <a:r>
+              <a:rPr lang="en-US" altLang="zh-CN" dirty="0">
+                <a:solidFill>
+                  <a:srgbClr val="0070C0"/>
+                </a:solidFill>
+              </a:rPr>
+              <a:t>for the </a:t>
+            </a:r>
+            <a:r>
+              <a:rPr lang="en-US" altLang="zh-TW" dirty="0">
+                <a:solidFill>
+                  <a:srgbClr val="0070C0"/>
+                </a:solidFill>
+              </a:rPr>
+              <a:t>enable button</a:t>
             </a:r>
             <a:r>
               <a:rPr lang="en-US" altLang="zh-TW" dirty="0"/>
@@ -4362,7 +4440,7 @@
           <a:p>
             <a:r>
               <a:rPr lang="en-US" altLang="zh-TW" dirty="0"/>
-              <a:t>If you do not want to click on the back, please disable clicking through.</a:t>
+              <a:t>If you do not want to click the back, please disable clicking through.</a:t>
             </a:r>
           </a:p>
           <a:p>
@@ -4806,7 +4884,7 @@
                   <a:srgbClr val="0070C0"/>
                 </a:solidFill>
               </a:rPr>
-              <a:t>Note the cursor type </a:t>
+              <a:t>Notice the cursor type </a:t>
             </a:r>
             <a:r>
               <a:rPr lang="en-US" altLang="zh-TW" dirty="0"/>
@@ -4862,7 +4940,7 @@
           <a:p>
             <a:r>
               <a:rPr lang="en-US" altLang="zh-TW" dirty="0"/>
-              <a:t>Recommended for use with </a:t>
+              <a:t>Recommended to use with </a:t>
             </a:r>
             <a:r>
               <a:rPr lang="en-US" altLang="zh-TW" dirty="0" err="1">
@@ -4888,7 +4966,7 @@
           <a:p>
             <a:r>
               <a:rPr lang="en-US" altLang="zh-TW" dirty="0"/>
-              <a:t>Use out-of-game functions to take screenshots. Such as </a:t>
+              <a:t>Use out-of-game programs to take screenshots. Such as </a:t>
             </a:r>
             <a:r>
               <a:rPr lang="en-US" altLang="zh-TW" dirty="0" err="1">
@@ -4924,7 +5002,7 @@
           <a:p>
             <a:r>
               <a:rPr lang="en-US" altLang="zh-TW" dirty="0"/>
-              <a:t>If it is used in creating something, please do more saving. </a:t>
+              <a:t>If it is used when creating something, please do more saving. </a:t>
             </a:r>
             <a:br>
               <a:rPr lang="en-US" altLang="zh-TW" dirty="0"/>
@@ -5185,7 +5263,7 @@
           <a:p>
             <a:r>
               <a:rPr lang="en-US" altLang="zh-TW" b="1" dirty="0"/>
-              <a:t>I cannot guarantee that all the display effects will be presented as usual.</a:t>
+              <a:t>I cannot guarantee that all display effects will be presented as usual.</a:t>
             </a:r>
             <a:endParaRPr lang="zh-TW" altLang="en-US" b="1" dirty="0"/>
           </a:p>

--- a/demo/demo17.pptx
+++ b/demo/demo17.pptx
@@ -544,7 +544,7 @@
           <a:p>
             <a:fld id="{83284890-85D2-4D7B-8EF5-15A9C1DB8F42}" type="datetimeFigureOut">
               <a:rPr lang="en-US" dirty="0"/>
-              <a:t>5/22/2020</a:t>
+              <a:t>5/23/2020</a:t>
             </a:fld>
             <a:endParaRPr lang="en-US" dirty="0"/>
           </a:p>
@@ -719,7 +719,7 @@
           <a:p>
             <a:fld id="{87157CC2-0FC8-4686-B024-99790E0F5162}" type="datetimeFigureOut">
               <a:rPr lang="en-US" dirty="0"/>
-              <a:t>5/22/2020</a:t>
+              <a:t>5/23/2020</a:t>
             </a:fld>
             <a:endParaRPr lang="en-US" dirty="0"/>
           </a:p>
@@ -894,7 +894,7 @@
           <a:p>
             <a:fld id="{F6764DA5-CD3D-4590-A511-FCD3BC7A793E}" type="datetimeFigureOut">
               <a:rPr lang="en-US" dirty="0"/>
-              <a:t>5/22/2020</a:t>
+              <a:t>5/23/2020</a:t>
             </a:fld>
             <a:endParaRPr lang="en-US" dirty="0"/>
           </a:p>
@@ -1059,7 +1059,7 @@
           <a:p>
             <a:fld id="{82F5661D-6934-4B32-B92C-470368BF1EC6}" type="datetimeFigureOut">
               <a:rPr lang="en-US" dirty="0"/>
-              <a:t>5/22/2020</a:t>
+              <a:t>5/23/2020</a:t>
             </a:fld>
             <a:endParaRPr lang="en-US" dirty="0"/>
           </a:p>
@@ -1367,7 +1367,7 @@
           <a:p>
             <a:fld id="{C6F822A4-8DA6-4447-9B1F-C5DB58435268}" type="datetimeFigureOut">
               <a:rPr lang="en-US" dirty="0"/>
-              <a:t>5/22/2020</a:t>
+              <a:t>5/23/2020</a:t>
             </a:fld>
             <a:endParaRPr lang="en-US" dirty="0"/>
           </a:p>
@@ -1749,7 +1749,7 @@
           <a:p>
             <a:fld id="{E548D31E-DCDA-41A7-9C67-C4B11B94D21D}" type="datetimeFigureOut">
               <a:rPr lang="en-US" dirty="0"/>
-              <a:t>5/22/2020</a:t>
+              <a:t>5/23/2020</a:t>
             </a:fld>
             <a:endParaRPr lang="en-US" dirty="0"/>
           </a:p>
@@ -2178,7 +2178,7 @@
           <a:p>
             <a:fld id="{9B3762C0-B258-48F1-ADE6-176B4174CCDD}" type="datetimeFigureOut">
               <a:rPr lang="en-US" dirty="0"/>
-              <a:t>5/22/2020</a:t>
+              <a:t>5/23/2020</a:t>
             </a:fld>
             <a:endParaRPr lang="en-US" dirty="0"/>
           </a:p>
@@ -2291,7 +2291,7 @@
           <a:p>
             <a:fld id="{677919A6-33EB-49BD-A62F-1FA56B9F9712}" type="datetimeFigureOut">
               <a:rPr lang="en-US" dirty="0"/>
-              <a:t>5/22/2020</a:t>
+              <a:t>5/23/2020</a:t>
             </a:fld>
             <a:endParaRPr lang="en-US" dirty="0"/>
           </a:p>
@@ -2381,7 +2381,7 @@
           <a:p>
             <a:fld id="{CA4E7D1B-D673-4CF6-8672-009D42ABD2A0}" type="datetimeFigureOut">
               <a:rPr lang="en-US" dirty="0"/>
-              <a:t>5/22/2020</a:t>
+              <a:t>5/23/2020</a:t>
             </a:fld>
             <a:endParaRPr lang="en-US" dirty="0"/>
           </a:p>
@@ -2726,7 +2726,7 @@
           <a:p>
             <a:fld id="{DA16AA21-1863-4931-97CB-99D0A168701B}" type="datetimeFigureOut">
               <a:rPr lang="en-US" dirty="0"/>
-              <a:t>5/22/2020</a:t>
+              <a:t>5/23/2020</a:t>
             </a:fld>
             <a:endParaRPr lang="en-US" dirty="0"/>
           </a:p>
@@ -3146,7 +3146,7 @@
           <a:p>
             <a:fld id="{3772C379-9A7C-4C87-A116-CBE9F58B04C5}" type="datetimeFigureOut">
               <a:rPr lang="en-US" dirty="0"/>
-              <a:t>5/22/2020</a:t>
+              <a:t>5/23/2020</a:t>
             </a:fld>
             <a:endParaRPr lang="en-US" dirty="0"/>
           </a:p>
@@ -3422,7 +3422,7 @@
           <a:p>
             <a:fld id="{8664C608-40B1-4030-A28D-5B74BC98ADCE}" type="datetimeFigureOut">
               <a:rPr lang="en-US" dirty="0"/>
-              <a:t>5/22/2020</a:t>
+              <a:t>5/23/2020</a:t>
             </a:fld>
             <a:endParaRPr lang="en-US" dirty="0"/>
           </a:p>
@@ -4059,7 +4059,10 @@
               <a:t>Works in </a:t>
             </a:r>
             <a:r>
-              <a:rPr lang="ja-JP" altLang="en-US" b="1" dirty="0"/>
+              <a:rPr lang="ja-JP" altLang="en-US" b="1" dirty="0">
+                <a:latin typeface="思源黑體 Normal" panose="020B0400000000000000" pitchFamily="34" charset="-120"/>
+                <a:ea typeface="思源黑體 Normal" panose="020B0400000000000000" pitchFamily="34" charset="-120"/>
+              </a:rPr>
               <a:t>コイカツ！</a:t>
             </a:r>
             <a:r>
@@ -4169,9 +4172,22 @@
         </p:spPr>
         <p:txBody>
           <a:bodyPr anchor="ctr">
-            <a:normAutofit/>
+            <a:normAutofit lnSpcReduction="10000"/>
           </a:bodyPr>
           <a:lstStyle/>
+          <a:p>
+            <a:r>
+              <a:rPr lang="zh-TW" altLang="en-US" dirty="0">
+                <a:latin typeface="思源黑體 TW Normal" panose="020B0400000000000000" pitchFamily="34" charset="-120"/>
+                <a:ea typeface="思源黑體 TW Normal" panose="020B0400000000000000" pitchFamily="34" charset="-120"/>
+              </a:rPr>
+              <a:t>琳</a:t>
+            </a:r>
+            <a:r>
+              <a:rPr lang="en-US" altLang="zh-TW" dirty="0"/>
+              <a:t> jim60105</a:t>
+            </a:r>
+          </a:p>
           <a:p>
             <a:r>
               <a:rPr lang="en-US" altLang="zh-TW" dirty="0"/>
@@ -5522,7 +5538,9 @@
         </p:nvSpPr>
         <p:spPr/>
         <p:txBody>
-          <a:bodyPr/>
+          <a:bodyPr>
+            <a:normAutofit/>
+          </a:bodyPr>
           <a:lstStyle/>
           <a:p>
             <a:r>
@@ -5531,10 +5549,14 @@
             </a:r>
             <a:r>
               <a:rPr lang="en-US" altLang="zh-TW" b="1" dirty="0"/>
-              <a:t> @ </a:t>
-            </a:r>
-            <a:r>
-              <a:rPr lang="en-US" altLang="zh-TW" b="1" dirty="0" err="1"/>
+              <a:t> </a:t>
+            </a:r>
+            <a:r>
+              <a:rPr lang="en-US" altLang="zh-TW" dirty="0"/>
+              <a:t>@ </a:t>
+            </a:r>
+            <a:r>
+              <a:rPr lang="en-US" altLang="zh-TW" dirty="0" err="1"/>
               <a:t>Github</a:t>
             </a:r>
             <a:r>
@@ -5596,11 +5618,59 @@
             <a:endParaRPr lang="en-US" altLang="zh-TW" dirty="0"/>
           </a:p>
           <a:p>
-            <a:endParaRPr lang="en-US" altLang="ja-JP" dirty="0"/>
-          </a:p>
-          <a:p>
-            <a:r>
-              <a:rPr lang="ja-JP" altLang="en-US" b="1" dirty="0"/>
+            <a:r>
+              <a:rPr lang="en-US" altLang="zh-TW" dirty="0"/>
+              <a:t>An anonymous person on </a:t>
+            </a:r>
+            <a:r>
+              <a:rPr lang="en-US" altLang="zh-TW" b="1" dirty="0"/>
+              <a:t>2ch</a:t>
+            </a:r>
+            <a:r>
+              <a:rPr lang="en-US" altLang="zh-TW" dirty="0"/>
+              <a:t>:</a:t>
+            </a:r>
+            <a:br>
+              <a:rPr lang="en-US" altLang="zh-TW" dirty="0"/>
+            </a:br>
+            <a:r>
+              <a:rPr lang="en-US" altLang="zh-TW" dirty="0"/>
+              <a:t>The person who brought this cool idea to </a:t>
+            </a:r>
+            <a:r>
+              <a:rPr lang="en-US" altLang="zh-TW" dirty="0" err="1"/>
+              <a:t>Koikatu</a:t>
+            </a:r>
+            <a:r>
+              <a:rPr lang="en-US" altLang="zh-TW" dirty="0"/>
+              <a:t> as the </a:t>
+            </a:r>
+            <a:r>
+              <a:rPr lang="ja-JP" altLang="en-US" dirty="0">
+                <a:solidFill>
+                  <a:srgbClr val="0070C0"/>
+                </a:solidFill>
+                <a:latin typeface="思源黑體 Normal" panose="020B0400000000000000" pitchFamily="34" charset="-120"/>
+                <a:ea typeface="思源黑體 Normal" panose="020B0400000000000000" pitchFamily="34" charset="-120"/>
+              </a:rPr>
+              <a:t>デスクトップマスコット</a:t>
+            </a:r>
+            <a:r>
+              <a:rPr lang="ja-JP" altLang="en-US" dirty="0"/>
+              <a:t> </a:t>
+            </a:r>
+            <a:r>
+              <a:rPr lang="en-US" altLang="zh-TW" dirty="0"/>
+              <a:t>GOL script. </a:t>
+            </a:r>
+            <a:endParaRPr lang="en-US" altLang="ja-JP" b="1" dirty="0"/>
+          </a:p>
+          <a:p>
+            <a:r>
+              <a:rPr lang="ja-JP" altLang="en-US" b="1" dirty="0">
+                <a:latin typeface="思源黑體 Bold" panose="020B0800000000000000" pitchFamily="34" charset="-120"/>
+                <a:ea typeface="思源黑體 Bold" panose="020B0800000000000000" pitchFamily="34" charset="-120"/>
+              </a:rPr>
               <a:t>サバカン</a:t>
             </a:r>
             <a:r>
@@ -5612,25 +5682,10 @@
             </a:br>
             <a:r>
               <a:rPr lang="en-US" altLang="zh-TW" dirty="0"/>
-              <a:t>The person who brought this cool idea into the </a:t>
-            </a:r>
-            <a:r>
-              <a:rPr lang="en-US" altLang="zh-TW" dirty="0" err="1"/>
-              <a:t>Koikatu</a:t>
-            </a:r>
-            <a:r>
-              <a:rPr lang="en-US" altLang="zh-TW" dirty="0"/>
-              <a:t> game.</a:t>
-            </a:r>
-            <a:br>
-              <a:rPr lang="en-US" altLang="zh-TW" dirty="0"/>
-            </a:br>
-            <a:r>
-              <a:rPr lang="en-US" altLang="zh-TW" dirty="0"/>
-              <a:t>He originally completed this as </a:t>
-            </a:r>
-            <a:r>
-              <a:rPr lang="en-US" altLang="zh-TW" b="1" dirty="0" err="1">
+              <a:t>Modified the </a:t>
+            </a:r>
+            <a:r>
+              <a:rPr lang="en-US" altLang="zh-TW" dirty="0" err="1">
                 <a:solidFill>
                   <a:srgbClr val="0070C0"/>
                 </a:solidFill>
@@ -5638,20 +5693,24 @@
               <a:t>DesktopMascot</a:t>
             </a:r>
             <a:r>
-              <a:rPr lang="en-US" altLang="zh-TW" dirty="0"/>
-              <a:t> in </a:t>
-            </a:r>
-            <a:r>
-              <a:rPr lang="en-US" altLang="zh-TW" dirty="0" err="1"/>
-              <a:t>CharaMaker</a:t>
-            </a:r>
-            <a:r>
-              <a:rPr lang="en-US" altLang="zh-TW" dirty="0"/>
-              <a:t> through GOL.</a:t>
-            </a:r>
-          </a:p>
-          <a:p>
-            <a:endParaRPr lang="zh-TW" altLang="en-US" dirty="0"/>
+              <a:rPr lang="en-US" altLang="zh-TW" dirty="0">
+                <a:solidFill>
+                  <a:srgbClr val="0070C0"/>
+                </a:solidFill>
+              </a:rPr>
+              <a:t> </a:t>
+            </a:r>
+            <a:r>
+              <a:rPr lang="en-US" altLang="zh-TW" dirty="0"/>
+              <a:t>script above and introduced it on Discord.</a:t>
+            </a:r>
+            <a:br>
+              <a:rPr lang="en-US" altLang="zh-TW" dirty="0"/>
+            </a:br>
+            <a:r>
+              <a:rPr lang="en-US" altLang="zh-TW" dirty="0"/>
+              <a:t>I was inspired by him.</a:t>
+            </a:r>
           </a:p>
         </p:txBody>
       </p:sp>
